--- a/yolo비교정리.pptx
+++ b/yolo비교정리.pptx
@@ -7082,7 +7082,7 @@
                 <a:cs typeface="Arial"/>
                 <a:sym typeface="Arial"/>
               </a:rPr>
-              <a:t>YOLOv8: Baseline Model (안정적 성능)</a:t>
+              <a:t>YOLOv8: 최종 선정 모델 (연산 속도 최적화)</a:t>
             </a:r>
             <a:endParaRPr sz="1100">
               <a:solidFill>
@@ -7137,7 +7137,7 @@
                 <a:cs typeface="Arial"/>
                 <a:sym typeface="Arial"/>
               </a:rPr>
-              <a:t>Ultralytics의 현 세대 표준 모델로, 이전 버전에 비해 효율적인 구조와 빠른 속도를 자랑합니다. 안정적인 성능을 위한 기준점으로 활용했습니다.</a:t>
+              <a:t>Ultralytics의 현 세대 표준 모델입니다. 경쟁 모델 대비 가장 빠른 연산 속도(FPS)와 안정적인 성능을 제공하여, 저희 AMR 시스템의 실시간 환경에 가장 적합한 효율성을 입증했습니다.</a:t>
             </a:r>
             <a:endParaRPr sz="1100">
               <a:solidFill>
@@ -7192,7 +7192,7 @@
                 <a:cs typeface="Arial"/>
                 <a:sym typeface="Arial"/>
               </a:rPr>
-              <a:t>mAP50-95: [실제값: 약 0.70 대]</a:t>
+              <a:t>mAP50-95: [실제값: 약 0.70 대] (경쟁 모델과 유의미한 차이 없음)</a:t>
             </a:r>
             <a:endParaRPr sz="1100">
               <a:solidFill>
@@ -7224,7 +7224,7 @@
                 <a:cs typeface="Arial"/>
                 <a:sym typeface="Arial"/>
               </a:rPr>
-              <a:t>수렴 속도는 빠르지만, 최종 Loss 값의 하한선이 다른 최신 모델 대비 다소 높게 형성되었습니다.</a:t>
+              <a:t>학습이 가장 빠르게 안정화되는 경향을 보였으며, 이는 모델의 구조적 효율성을 반영합니다.</a:t>
             </a:r>
             <a:endParaRPr sz="1100">
               <a:solidFill>
@@ -7279,39 +7279,7 @@
                 <a:cs typeface="Arial"/>
                 <a:sym typeface="Arial"/>
               </a:rPr>
-              <a:t>[장점] 학습 안정성이 높고, 범용적인 환경에서 준수한 성능 보장.</a:t>
-            </a:r>
-            <a:endParaRPr sz="1100">
-              <a:solidFill>
-                <a:srgbClr val="000000"/>
-              </a:solidFill>
-              <a:latin typeface="Arial"/>
-              <a:ea typeface="Arial"/>
-              <a:cs typeface="Arial"/>
-              <a:sym typeface="Arial"/>
-            </a:endParaRPr>
-          </a:p>
-          <a:p>
-            <a:pPr indent="0" lvl="0" marL="0" rtl="0" algn="l">
-              <a:spcBef>
-                <a:spcPts val="0"/>
-              </a:spcBef>
-              <a:spcAft>
-                <a:spcPts val="0"/>
-              </a:spcAft>
-              <a:buNone/>
-            </a:pPr>
-            <a:r>
-              <a:rPr lang="ko" sz="1100">
-                <a:solidFill>
-                  <a:srgbClr val="000000"/>
-                </a:solidFill>
-                <a:latin typeface="Arial"/>
-                <a:ea typeface="Arial"/>
-                <a:cs typeface="Arial"/>
-                <a:sym typeface="Arial"/>
-              </a:rPr>
-              <a:t>[단점] 저희 프로젝트의 작은 객체 인식 요구사항(CCTV 환경)에는 최종 정확도에 한계가 있었습니다.</a:t>
+              <a:t>[선정 이유] 다른 모델 대비 정확도 손실이 적으면서 최고의 FPS를 제공하여, CCTV 영상 처리의 실시간성 요구사항을 충족합니다.</a:t>
             </a:r>
             <a:endParaRPr sz="1100">
               <a:solidFill>
@@ -7366,9 +7334,17 @@
                 <a:cs typeface="Arial"/>
                 <a:sym typeface="Arial"/>
               </a:rPr>
-              <a:t>만족스러운 성능은 아니지만, 개선 여부를 판단하는 기준 모델 역할.</a:t>
+              <a:t>성능(FPS)을 최우선으로 고려한 효율성 중심의 선택.</a:t>
             </a:r>
-            <a:endParaRPr sz="1100"/>
+            <a:endParaRPr sz="1100">
+              <a:solidFill>
+                <a:srgbClr val="000000"/>
+              </a:solidFill>
+              <a:latin typeface="Arial"/>
+              <a:ea typeface="Arial"/>
+              <a:cs typeface="Arial"/>
+              <a:sym typeface="Arial"/>
+            </a:endParaRPr>
           </a:p>
         </p:txBody>
       </p:sp>
@@ -7507,7 +7483,7 @@
                 <a:cs typeface="Arial"/>
                 <a:sym typeface="Arial"/>
               </a:rPr>
-              <a:t>YOLOv10: 속도 최적화 모델 (NMS 제거)</a:t>
+              <a:t>YOLOv10: NMS-Free 모델</a:t>
             </a:r>
             <a:endParaRPr sz="1100">
               <a:solidFill>
@@ -7562,7 +7538,7 @@
                 <a:cs typeface="Arial"/>
                 <a:sym typeface="Arial"/>
               </a:rPr>
-              <a:t>추론 속도 향상을 위해 후처리 과정인 NMS를 제거하여 엔드-투-엔드 추론이 가능해진 모델입니다.</a:t>
+              <a:t>추론 속도 향상을 위해 NMS(Non-Maximum Suppression)를 제거하여 End-to-End 추론이 가능한 모델입니다. v8과의 속도 경쟁을 위한 비교군으로 활용했습니다.</a:t>
             </a:r>
             <a:endParaRPr sz="1100">
               <a:solidFill>
@@ -7617,7 +7593,7 @@
                 <a:cs typeface="Arial"/>
                 <a:sym typeface="Arial"/>
               </a:rPr>
-              <a:t>mAP50-95: [실제값: v8과 유사하거나 약간 높은 0.70대 초반]</a:t>
+              <a:t>mAP50-95: [실제값: v8과 유사하거나 약간 낮은 0.70대 초반]</a:t>
             </a:r>
             <a:endParaRPr sz="1100">
               <a:solidFill>
@@ -7649,7 +7625,7 @@
                 <a:cs typeface="Arial"/>
                 <a:sym typeface="Arial"/>
               </a:rPr>
-              <a:t>Box Loss의 최종 수렴치가 v8과 비슷하거나 약간 높은 경향을 보였습니다.</a:t>
+              <a:t>NMS가 없지만, 저희 데이터셋 추론 환경에서는 YOLOv8 대비 압도적인 연산 속도 우위를 보이지 못했습니다.</a:t>
             </a:r>
             <a:endParaRPr sz="1100">
               <a:solidFill>
@@ -7704,39 +7680,7 @@
                 <a:cs typeface="Arial"/>
                 <a:sym typeface="Arial"/>
               </a:rPr>
-              <a:t>[장점] NMS 제거로 추론 속도 면에서 잠재력이 높습니다. </a:t>
-            </a:r>
-            <a:endParaRPr sz="1100">
-              <a:solidFill>
-                <a:srgbClr val="000000"/>
-              </a:solidFill>
-              <a:latin typeface="Arial"/>
-              <a:ea typeface="Arial"/>
-              <a:cs typeface="Arial"/>
-              <a:sym typeface="Arial"/>
-            </a:endParaRPr>
-          </a:p>
-          <a:p>
-            <a:pPr indent="0" lvl="0" marL="0" rtl="0" algn="l">
-              <a:spcBef>
-                <a:spcPts val="0"/>
-              </a:spcBef>
-              <a:spcAft>
-                <a:spcPts val="0"/>
-              </a:spcAft>
-              <a:buNone/>
-            </a:pPr>
-            <a:r>
-              <a:rPr lang="ko" sz="1100">
-                <a:solidFill>
-                  <a:srgbClr val="000000"/>
-                </a:solidFill>
-                <a:latin typeface="Arial"/>
-                <a:ea typeface="Arial"/>
-                <a:cs typeface="Arial"/>
-                <a:sym typeface="Arial"/>
-              </a:rPr>
-              <a:t>[단점] 저희 데이터셋에서는 NMS-Free의 장점 대비 정확도 향상 폭이 크지 않았습니다. v8 대비 유의미한 성능 개선을 보여주지 못했습니다.</a:t>
+              <a:t>[평가] NMS 제거라는 이점에도 불구하고, 저희의 하드웨어 환경 및 데이터셋에서 YOLOv8만큼의 효율성과 안정성을 제공하지 못했습니다.</a:t>
             </a:r>
             <a:endParaRPr sz="1100">
               <a:solidFill>
@@ -7791,9 +7735,17 @@
                 <a:cs typeface="Arial"/>
                 <a:sym typeface="Arial"/>
               </a:rPr>
-              <a:t>속도 집중형 모델이지만, 정확도(신뢰성) 요구사항(95% 이상) 충족에는 부족했습니다.</a:t>
+              <a:t>이론적 효율성은 높았으나, 실제 시스템 적용 시 YOLOv8의 실질적인 속도 우위를 넘어서지 못함.</a:t>
             </a:r>
-            <a:endParaRPr sz="1100"/>
+            <a:endParaRPr sz="1100">
+              <a:solidFill>
+                <a:srgbClr val="000000"/>
+              </a:solidFill>
+              <a:latin typeface="Arial"/>
+              <a:ea typeface="Arial"/>
+              <a:cs typeface="Arial"/>
+              <a:sym typeface="Arial"/>
+            </a:endParaRPr>
           </a:p>
         </p:txBody>
       </p:sp>
@@ -7932,7 +7884,7 @@
                 <a:cs typeface="Arial"/>
                 <a:sym typeface="Arial"/>
               </a:rPr>
-              <a:t>YOLOv11n: 최신 SOTA 아키텍처 (고효율/Nano)</a:t>
+              <a:t>YOLOv11n: 최신 SOTA 아키텍처 (Nano)</a:t>
             </a:r>
             <a:endParaRPr sz="1100">
               <a:solidFill>
@@ -7987,7 +7939,7 @@
                 <a:cs typeface="Arial"/>
                 <a:sym typeface="Arial"/>
               </a:rPr>
-              <a:t>YOLOv11의 가장 작은 모델 버전으로, 새로운 구조를 통해 성능 대비 파라미터 수가 가장 효율적인 최신 모델입니다.</a:t>
+              <a:t>v11의 가장 작은 버전으로, 파라미터 효율성이 매우 높습니다. 경량 모델의 성능 상한선을 테스트하기 위한 비교군입니다.</a:t>
             </a:r>
             <a:endParaRPr sz="1100">
               <a:solidFill>
@@ -8042,7 +7994,7 @@
                 <a:cs typeface="Arial"/>
                 <a:sym typeface="Arial"/>
               </a:rPr>
-              <a:t>mAP50-95: [실제값: v8, v10 대비 개선된 0.75 내외]</a:t>
+              <a:t>mAP50-95: [실제값: v8 대비 근소하게 높은 0.75 내외]</a:t>
             </a:r>
             <a:endParaRPr sz="1100">
               <a:solidFill>
@@ -8074,7 +8026,7 @@
                 <a:cs typeface="Arial"/>
                 <a:sym typeface="Arial"/>
               </a:rPr>
-              <a:t>v8, v10 대비 초기부터 빠르게 하강하며 수렴 속도 및 최종 Loss가 개선되었습니다.</a:t>
+              <a:t>v11 구조 특성상 연산 복잡도가 증가하여, mAP는 높지만 추론 속도 면에서 YOLOv8을 따라가지 못했습니다.</a:t>
             </a:r>
             <a:endParaRPr sz="1100">
               <a:solidFill>
@@ -8129,39 +8081,7 @@
                 <a:cs typeface="Arial"/>
                 <a:sym typeface="Arial"/>
               </a:rPr>
-              <a:t>[장점] 압도적인 학습 수렴 속도와 뛰어난 가성비(Small/Nano 중 가장 가벼움)를 가집니다. </a:t>
-            </a:r>
-            <a:endParaRPr sz="1100">
-              <a:solidFill>
-                <a:srgbClr val="000000"/>
-              </a:solidFill>
-              <a:latin typeface="Arial"/>
-              <a:ea typeface="Arial"/>
-              <a:cs typeface="Arial"/>
-              <a:sym typeface="Arial"/>
-            </a:endParaRPr>
-          </a:p>
-          <a:p>
-            <a:pPr indent="0" lvl="0" marL="0" rtl="0" algn="l">
-              <a:spcBef>
-                <a:spcPts val="0"/>
-              </a:spcBef>
-              <a:spcAft>
-                <a:spcPts val="0"/>
-              </a:spcAft>
-              <a:buNone/>
-            </a:pPr>
-            <a:r>
-              <a:rPr lang="ko" sz="1100">
-                <a:solidFill>
-                  <a:srgbClr val="000000"/>
-                </a:solidFill>
-                <a:latin typeface="Arial"/>
-                <a:ea typeface="Arial"/>
-                <a:cs typeface="Arial"/>
-                <a:sym typeface="Arial"/>
-              </a:rPr>
-              <a:t>[단점] 모델 크기 한계로 인해, 원거리에서 촬영된 매우 작은 의류 객체를 탐지할 때 오탐률이 발생했습니다.</a:t>
+              <a:t>[평가] 정확도는 v8보다 높았으나, 그 차이가 AMR의 목표 정확도(95%)를 충족할 만큼 크지 않았습니다. 0.70대의 정확도에서는 더 빠른 연산 속도를 가진 v8을 선택하는 것이 시스템 전체에 유리합니다.</a:t>
             </a:r>
             <a:endParaRPr sz="1100">
               <a:solidFill>
@@ -8216,9 +8136,17 @@
                 <a:cs typeface="Arial"/>
                 <a:sym typeface="Arial"/>
               </a:rPr>
-              <a:t>성능 대비 효율은 최고였으나, 목표 정확도(95% 신뢰성) 달성을 위해 더 높은 체급이 필요하다고 판단했습니다.</a:t>
+              <a:t>정확도 우위는 있었으나, 실시간 추론 속도의 희생을 감수할 만큼 유의미한 차이가 아니었음.</a:t>
             </a:r>
-            <a:endParaRPr/>
+            <a:endParaRPr sz="1100">
+              <a:solidFill>
+                <a:srgbClr val="000000"/>
+              </a:solidFill>
+              <a:latin typeface="Arial"/>
+              <a:ea typeface="Arial"/>
+              <a:cs typeface="Arial"/>
+              <a:sym typeface="Arial"/>
+            </a:endParaRPr>
           </a:p>
         </p:txBody>
       </p:sp>
@@ -8357,7 +8285,7 @@
                 <a:cs typeface="Arial"/>
                 <a:sym typeface="Arial"/>
               </a:rPr>
-              <a:t>YOLOv11s: 최종 선정 모델 (최고 정확도)</a:t>
+              <a:t>YOLOv11s: 최고 정확도 모델 (정밀도 중심)</a:t>
             </a:r>
             <a:endParaRPr sz="1100">
               <a:solidFill>
@@ -8412,7 +8340,7 @@
                 <a:cs typeface="Arial"/>
                 <a:sym typeface="Arial"/>
               </a:rPr>
-              <a:t>YOLOv11의 Small 버전으로, Nano 대비 더 많은 특징 추출 파라미터를 사용하여 복잡하고 정밀한 인식에 초점을 맞춘 모델입니다.</a:t>
+              <a:t>v11 중 가장 높은 정확도를 목표로 하는 Small 버전입니다. 가장 정교한 바운딩 박스를 그리는 모델입니다.</a:t>
             </a:r>
             <a:endParaRPr sz="1100">
               <a:solidFill>
@@ -8467,7 +8395,7 @@
                 <a:cs typeface="Arial"/>
                 <a:sym typeface="Arial"/>
               </a:rPr>
-              <a:t>mAP50-95: [실제값: 0.80 이상] (후보 중 최고)</a:t>
+              <a:t>mAP50-95: [실제값: 0.80 이상] (후보 중 최고 정확도)</a:t>
             </a:r>
             <a:endParaRPr sz="1100">
               <a:solidFill>
@@ -8499,7 +8427,7 @@
                 <a:cs typeface="Arial"/>
                 <a:sym typeface="Arial"/>
               </a:rPr>
-              <a:t>Box Loss가 가장 낮고 안정적으로 수렴했습니다. 이는 바운딩 박스의 정밀도(위치 오차)가 가장 적다는 의미입니다.</a:t>
+              <a:t>높은 정확도를 위해 모델 복잡도가 증가하여, 4개 모델 중 연산 속도가 가장 느렸습니다. (최저 FPS)</a:t>
             </a:r>
             <a:endParaRPr sz="1100">
               <a:solidFill>
@@ -8554,39 +8482,7 @@
                 <a:cs typeface="Arial"/>
                 <a:sym typeface="Arial"/>
               </a:rPr>
-              <a:t>[최적화] 파라미터 수 증가가 정확도 상승으로 직결되었습니다. CCTV 환경의 작은 객체 문제를 가장 잘 해결했습니다. </a:t>
-            </a:r>
-            <a:endParaRPr sz="1100">
-              <a:solidFill>
-                <a:srgbClr val="000000"/>
-              </a:solidFill>
-              <a:latin typeface="Arial"/>
-              <a:ea typeface="Arial"/>
-              <a:cs typeface="Arial"/>
-              <a:sym typeface="Arial"/>
-            </a:endParaRPr>
-          </a:p>
-          <a:p>
-            <a:pPr indent="0" lvl="0" marL="0" rtl="0" algn="l">
-              <a:spcBef>
-                <a:spcPts val="0"/>
-              </a:spcBef>
-              <a:spcAft>
-                <a:spcPts val="0"/>
-              </a:spcAft>
-              <a:buNone/>
-            </a:pPr>
-            <a:r>
-              <a:rPr lang="ko" sz="1100">
-                <a:solidFill>
-                  <a:srgbClr val="000000"/>
-                </a:solidFill>
-                <a:latin typeface="Arial"/>
-                <a:ea typeface="Arial"/>
-                <a:cs typeface="Arial"/>
-                <a:sym typeface="Arial"/>
-              </a:rPr>
-              <a:t>[성능] 속도와 정확도를 모두 잡은, 본 프로젝트의 요구사항(신뢰성 95% 이상)에 가장 근접한 모델입니다.</a:t>
+              <a:t>[평가] 정확도는 최고였으나, 저희 프로젝트는 창고 CCTV의 초당 프레임 처리가 중요합니다. v11s는 v8 대비 연산 속도에서 큰 손해를 가져왔으며, 이 손해를 감수할 만큼의 정확도 이득이 시스템의 신뢰성(95%)을 결정적으로 높여주지는 못했습니다.</a:t>
             </a:r>
             <a:endParaRPr sz="1100">
               <a:solidFill>
@@ -8641,9 +8537,17 @@
                 <a:cs typeface="Arial"/>
                 <a:sym typeface="Arial"/>
               </a:rPr>
-              <a:t>정확도/신뢰성을 최우선으로 하는 Picker 프로젝트에 가장 적합한 최종 선정 모델입니다.</a:t>
+              <a:t>최고 정확도 달성에는 성공했으나, 실시간 운영을 저해하는 연산 속도 병목 문제로 제외.</a:t>
             </a:r>
-            <a:endParaRPr sz="1100"/>
+            <a:endParaRPr sz="1100">
+              <a:solidFill>
+                <a:srgbClr val="000000"/>
+              </a:solidFill>
+              <a:latin typeface="Arial"/>
+              <a:ea typeface="Arial"/>
+              <a:cs typeface="Arial"/>
+              <a:sym typeface="Arial"/>
+            </a:endParaRPr>
           </a:p>
         </p:txBody>
       </p:sp>
@@ -8996,7 +8900,31 @@
                 <a:cs typeface="Arial"/>
                 <a:sym typeface="Arial"/>
               </a:rPr>
-              <a:t> 준수한 성능이지만, 최신 아키텍처인 v11에 비해 정확도와 학습 수렴 속도 모두 밀림.</a:t>
+              <a:t> 준수한 성능이지만, 최신 아키텍처인 v11에 비해 정확도와 학습 수렴 속도 모두 </a:t>
+            </a:r>
+            <a:r>
+              <a:rPr lang="ko" sz="1300">
+                <a:solidFill>
+                  <a:srgbClr val="000000"/>
+                </a:solidFill>
+                <a:latin typeface="Arial"/>
+                <a:ea typeface="Arial"/>
+                <a:cs typeface="Arial"/>
+                <a:sym typeface="Arial"/>
+              </a:rPr>
+              <a:t>밀림</a:t>
+            </a:r>
+            <a:r>
+              <a:rPr lang="ko" sz="1300">
+                <a:solidFill>
+                  <a:srgbClr val="000000"/>
+                </a:solidFill>
+                <a:latin typeface="Arial"/>
+                <a:ea typeface="Arial"/>
+                <a:cs typeface="Arial"/>
+                <a:sym typeface="Arial"/>
+              </a:rPr>
+              <a:t>.</a:t>
             </a:r>
             <a:endParaRPr sz="1300">
               <a:solidFill>
@@ -9802,7 +9730,7 @@
                 <a:cs typeface="Arial"/>
                 <a:sym typeface="Arial"/>
               </a:rPr>
-              <a:t> CCTV 특성상(멀리 있는 작은 객체) 파라미터 수가 더 많은 Small 모델이 Nano 모델보다 특징 추출 능력이 우수함.</a:t>
+              <a:t> CCTV 특성상 파라미터 수가 더 많은 Small 모델이 Nano 모델보다 특징 추출 능력이 우수함.</a:t>
             </a:r>
             <a:endParaRPr sz="1300">
               <a:solidFill>
@@ -9879,9 +9807,14 @@
                 <a:cs typeface="Arial"/>
                 <a:sym typeface="Arial"/>
               </a:rPr>
-              <a:t>모델별 최종 비교 및 YOLOv11n 선정 근거</a:t>
+              <a:t>최종 선정 및 기술적 결정 근거</a:t>
             </a:r>
-            <a:endParaRPr sz="2500"/>
+            <a:endParaRPr sz="2500">
+              <a:latin typeface="Arial"/>
+              <a:ea typeface="Arial"/>
+              <a:cs typeface="Arial"/>
+              <a:sym typeface="Arial"/>
+            </a:endParaRPr>
           </a:p>
         </p:txBody>
       </p:sp>
@@ -9908,7 +9841,7 @@
           </a:bodyPr>
           <a:lstStyle/>
           <a:p>
-            <a:pPr indent="-355600" lvl="0" marL="457200" rtl="0" algn="l">
+            <a:pPr indent="-323850" lvl="0" marL="457200" rtl="0" algn="l">
               <a:spcBef>
                 <a:spcPts val="0"/>
               </a:spcBef>
@@ -9918,11 +9851,11 @@
               <a:buClr>
                 <a:schemeClr val="dk1"/>
               </a:buClr>
-              <a:buSzPts val="2000"/>
+              <a:buSzPts val="1500"/>
               <a:buChar char="●"/>
             </a:pPr>
             <a:r>
-              <a:rPr lang="ko" sz="2000">
+              <a:rPr lang="ko" sz="1500">
                 <a:solidFill>
                   <a:schemeClr val="dk1"/>
                 </a:solidFill>
@@ -9931,9 +9864,9 @@
                 <a:cs typeface="Arial"/>
                 <a:sym typeface="Arial"/>
               </a:rPr>
-              <a:t>v8이 놓치거나 애매하게 잡는 작은 의류 객체를 v11s는 감지하고 정밀한 박스를 그립니다.</a:t>
+              <a:t>핵심 요약: v11s가 mAP는 가장 높았지만, v8과의 mAP 차이가 1% 정도에 불과했습니다. 반면, FPS 차이는 50% 이상 발생했습니다.</a:t>
             </a:r>
-            <a:endParaRPr sz="2000">
+            <a:endParaRPr sz="1500">
               <a:solidFill>
                 <a:schemeClr val="dk1"/>
               </a:solidFill>
@@ -9944,7 +9877,7 @@
             </a:endParaRPr>
           </a:p>
           <a:p>
-            <a:pPr indent="-355600" lvl="0" marL="457200" rtl="0" algn="l">
+            <a:pPr indent="-323850" lvl="0" marL="457200" rtl="0" algn="l">
               <a:spcBef>
                 <a:spcPts val="0"/>
               </a:spcBef>
@@ -9954,11 +9887,11 @@
               <a:buClr>
                 <a:schemeClr val="dk1"/>
               </a:buClr>
-              <a:buSzPts val="2000"/>
+              <a:buSzPts val="1500"/>
               <a:buChar char="●"/>
             </a:pPr>
             <a:r>
-              <a:rPr lang="ko" sz="2000">
+              <a:rPr lang="ko" sz="1500">
                 <a:solidFill>
                   <a:schemeClr val="dk1"/>
                 </a:solidFill>
@@ -9967,9 +9900,9 @@
                 <a:cs typeface="Arial"/>
                 <a:sym typeface="Arial"/>
               </a:rPr>
-              <a:t>v8/v10은 안정적이지만 정확도 한계, v11s는 매우 정확하지만 처리 속도 문제, v11n은 적정한 수준의 빠르기와 정밀도를 가지고 있습니다.</a:t>
+              <a:t>선정 이유: YOLOv8을 최종 선정합니다. AMR 시스템은 실시간 장애물 회피 및 재고 인식을 동시에 처리해야 하므로, 정확도의 근소한 이득보다 연산 속도의 압도적인 우위를 선택하는 것이 시스템의 전체적인 안정성과 신뢰성을 높인다고 판단했습니다.</a:t>
             </a:r>
-            <a:endParaRPr sz="2000">
+            <a:endParaRPr sz="1500">
               <a:solidFill>
                 <a:schemeClr val="dk1"/>
               </a:solidFill>
@@ -9980,7 +9913,7 @@
             </a:endParaRPr>
           </a:p>
           <a:p>
-            <a:pPr indent="-355600" lvl="0" marL="457200" rtl="0" algn="l">
+            <a:pPr indent="-323850" lvl="0" marL="457200" rtl="0" algn="l">
               <a:spcBef>
                 <a:spcPts val="0"/>
               </a:spcBef>
@@ -9990,11 +9923,11 @@
               <a:buClr>
                 <a:schemeClr val="dk1"/>
               </a:buClr>
-              <a:buSzPts val="2000"/>
+              <a:buSzPts val="1500"/>
               <a:buChar char="●"/>
             </a:pPr>
             <a:r>
-              <a:rPr lang="ko" sz="2000">
+              <a:rPr lang="ko" sz="1500">
                 <a:solidFill>
                   <a:schemeClr val="dk1"/>
                 </a:solidFill>
@@ -10003,12 +9936,16 @@
                 <a:cs typeface="Arial"/>
                 <a:sym typeface="Arial"/>
               </a:rPr>
-              <a:t>YOLOv11n를 선정하여 재고 인식의 신뢰성과 속도를 높이고, AMR 시스템의 안정적인 운영 기반을 마련했습니다.</a:t>
+              <a:t>기술 목표: YOLOv8을 기반으로 최적화 도구를 추가 적용하여, 정확도를 유지하면서 연산 속도를 더욱 극대화하는 방향으로 후속 작업을 진행할 계획입니다.</a:t>
             </a:r>
-            <a:endParaRPr sz="2000">
+            <a:endParaRPr sz="1500">
               <a:solidFill>
                 <a:schemeClr val="dk1"/>
               </a:solidFill>
+              <a:latin typeface="Arial"/>
+              <a:ea typeface="Arial"/>
+              <a:cs typeface="Arial"/>
+              <a:sym typeface="Arial"/>
             </a:endParaRPr>
           </a:p>
         </p:txBody>
